--- a/Project_PPT_SrihariS.pptx
+++ b/Project_PPT_SrihariS.pptx
@@ -124,6 +124,11 @@
       </a:defRPr>
     </a:lvl9pPr>
   </p:defaultTextStyle>
+  <p:extLst>
+    <p:ext uri="{EFAFB233-063F-42B5-8137-9DF3F51BA10A}">
+      <p15:sldGuideLst xmlns:p15="http://schemas.microsoft.com/office/powerpoint/2012/main"/>
+    </p:ext>
+  </p:extLst>
 </p:presentation>
 </file>
 
@@ -3472,7 +3477,7 @@
           <p:cNvPr id="4" name="Google Shape;62;p13">
             <a:extLst>
               <a:ext uri="{FF2B5EF4-FFF2-40B4-BE49-F238E27FC236}">
-                <a16:creationId xmlns:a16="http://schemas.microsoft.com/office/drawing/2014/main" xmlns="" id="{36719900-D0D9-09E3-CF83-B953F66E3009}"/>
+                <a16:creationId xmlns="" xmlns:a16="http://schemas.microsoft.com/office/drawing/2014/main" id="{36719900-D0D9-09E3-CF83-B953F66E3009}"/>
               </a:ext>
             </a:extLst>
           </p:cNvPr>
@@ -3492,7 +3497,7 @@
             <p:cNvPr id="5" name="Google Shape;63;p13" descr="A close up of a sign&#10;&#10;Description automatically generated">
               <a:extLst>
                 <a:ext uri="{FF2B5EF4-FFF2-40B4-BE49-F238E27FC236}">
-                  <a16:creationId xmlns:a16="http://schemas.microsoft.com/office/drawing/2014/main" xmlns="" id="{AA86E635-872E-36F2-1522-639362269964}"/>
+                  <a16:creationId xmlns="" xmlns:a16="http://schemas.microsoft.com/office/drawing/2014/main" id="{AA86E635-872E-36F2-1522-639362269964}"/>
                 </a:ext>
               </a:extLst>
             </p:cNvPr>
@@ -3525,7 +3530,7 @@
             <p:cNvPr id="6" name="Google Shape;64;p13">
               <a:extLst>
                 <a:ext uri="{FF2B5EF4-FFF2-40B4-BE49-F238E27FC236}">
-                  <a16:creationId xmlns:a16="http://schemas.microsoft.com/office/drawing/2014/main" xmlns="" id="{DCF6148C-3B84-7714-8945-D40BCDFF56F5}"/>
+                  <a16:creationId xmlns="" xmlns:a16="http://schemas.microsoft.com/office/drawing/2014/main" id="{DCF6148C-3B84-7714-8945-D40BCDFF56F5}"/>
                 </a:ext>
               </a:extLst>
             </p:cNvPr>
@@ -3558,7 +3563,7 @@
             <p:cNvPr id="7" name="Google Shape;65;p13">
               <a:extLst>
                 <a:ext uri="{FF2B5EF4-FFF2-40B4-BE49-F238E27FC236}">
-                  <a16:creationId xmlns:a16="http://schemas.microsoft.com/office/drawing/2014/main" xmlns="" id="{63CFCFD6-4BEB-E3CA-DBE3-70EE8B2BBD37}"/>
+                  <a16:creationId xmlns="" xmlns:a16="http://schemas.microsoft.com/office/drawing/2014/main" id="{63CFCFD6-4BEB-E3CA-DBE3-70EE8B2BBD37}"/>
                 </a:ext>
               </a:extLst>
             </p:cNvPr>
@@ -3590,7 +3595,7 @@
             <p:cNvPr id="8" name="Google Shape;66;p13">
               <a:extLst>
                 <a:ext uri="{FF2B5EF4-FFF2-40B4-BE49-F238E27FC236}">
-                  <a16:creationId xmlns:a16="http://schemas.microsoft.com/office/drawing/2014/main" xmlns="" id="{2C72905D-8387-3934-EBB2-19F7F6FD6A9C}"/>
+                  <a16:creationId xmlns="" xmlns:a16="http://schemas.microsoft.com/office/drawing/2014/main" id="{2C72905D-8387-3934-EBB2-19F7F6FD6A9C}"/>
                 </a:ext>
               </a:extLst>
             </p:cNvPr>
@@ -3622,7 +3627,7 @@
             <p:cNvPr id="9" name="Google Shape;67;p13">
               <a:extLst>
                 <a:ext uri="{FF2B5EF4-FFF2-40B4-BE49-F238E27FC236}">
-                  <a16:creationId xmlns:a16="http://schemas.microsoft.com/office/drawing/2014/main" xmlns="" id="{73294508-212E-C40B-D3CA-EBBDB4655C3E}"/>
+                  <a16:creationId xmlns="" xmlns:a16="http://schemas.microsoft.com/office/drawing/2014/main" id="{73294508-212E-C40B-D3CA-EBBDB4655C3E}"/>
                 </a:ext>
               </a:extLst>
             </p:cNvPr>
@@ -3655,7 +3660,7 @@
             <p:cNvPr id="10" name="Google Shape;68;p13">
               <a:extLst>
                 <a:ext uri="{FF2B5EF4-FFF2-40B4-BE49-F238E27FC236}">
-                  <a16:creationId xmlns:a16="http://schemas.microsoft.com/office/drawing/2014/main" xmlns="" id="{8AE8650C-03C4-E2E4-8F77-BCD898AC1AEF}"/>
+                  <a16:creationId xmlns="" xmlns:a16="http://schemas.microsoft.com/office/drawing/2014/main" id="{8AE8650C-03C4-E2E4-8F77-BCD898AC1AEF}"/>
                 </a:ext>
               </a:extLst>
             </p:cNvPr>
@@ -3687,7 +3692,7 @@
             <p:cNvPr id="11" name="Google Shape;69;p13" descr="A blue and black text&#10;&#10;Description automatically generated">
               <a:extLst>
                 <a:ext uri="{FF2B5EF4-FFF2-40B4-BE49-F238E27FC236}">
-                  <a16:creationId xmlns:a16="http://schemas.microsoft.com/office/drawing/2014/main" xmlns="" id="{20E68D56-827A-53B4-154B-AA7DEC9FAFE7}"/>
+                  <a16:creationId xmlns="" xmlns:a16="http://schemas.microsoft.com/office/drawing/2014/main" id="{20E68D56-827A-53B4-154B-AA7DEC9FAFE7}"/>
                 </a:ext>
               </a:extLst>
             </p:cNvPr>
@@ -3721,7 +3726,7 @@
           <p:cNvPr id="12" name="Picture 11">
             <a:extLst>
               <a:ext uri="{FF2B5EF4-FFF2-40B4-BE49-F238E27FC236}">
-                <a16:creationId xmlns:a16="http://schemas.microsoft.com/office/drawing/2014/main" xmlns="" id="{C436A02F-1B73-4A21-43B2-A472DD02A911}"/>
+                <a16:creationId xmlns="" xmlns:a16="http://schemas.microsoft.com/office/drawing/2014/main" id="{C436A02F-1B73-4A21-43B2-A472DD02A911}"/>
               </a:ext>
             </a:extLst>
           </p:cNvPr>
@@ -3751,7 +3756,7 @@
           <p:cNvPr id="13" name="Rectangle: Rounded Corners 24">
             <a:extLst>
               <a:ext uri="{FF2B5EF4-FFF2-40B4-BE49-F238E27FC236}">
-                <a16:creationId xmlns:a16="http://schemas.microsoft.com/office/drawing/2014/main" xmlns="" id="{B8BCF8B7-52AB-B3FB-BD62-ABF520369315}"/>
+                <a16:creationId xmlns="" xmlns:a16="http://schemas.microsoft.com/office/drawing/2014/main" id="{B8BCF8B7-52AB-B3FB-BD62-ABF520369315}"/>
               </a:ext>
             </a:extLst>
           </p:cNvPr>
@@ -3813,7 +3818,7 @@
           <p:cNvPr id="14" name="Google Shape;70;p13">
             <a:extLst>
               <a:ext uri="{FF2B5EF4-FFF2-40B4-BE49-F238E27FC236}">
-                <a16:creationId xmlns:a16="http://schemas.microsoft.com/office/drawing/2014/main" xmlns="" id="{E4C9E616-B0C2-5EF1-C693-B568D7F762CD}"/>
+                <a16:creationId xmlns="" xmlns:a16="http://schemas.microsoft.com/office/drawing/2014/main" id="{E4C9E616-B0C2-5EF1-C693-B568D7F762CD}"/>
               </a:ext>
             </a:extLst>
           </p:cNvPr>
@@ -3886,7 +3891,7 @@
           <p:cNvPr id="15" name="TextBox 14">
             <a:extLst>
               <a:ext uri="{FF2B5EF4-FFF2-40B4-BE49-F238E27FC236}">
-                <a16:creationId xmlns:a16="http://schemas.microsoft.com/office/drawing/2014/main" xmlns="" id="{243F787A-C1B9-4A5B-C50F-502754DD3886}"/>
+                <a16:creationId xmlns="" xmlns:a16="http://schemas.microsoft.com/office/drawing/2014/main" id="{243F787A-C1B9-4A5B-C50F-502754DD3886}"/>
               </a:ext>
             </a:extLst>
           </p:cNvPr>
@@ -4229,7 +4234,6 @@
               <a:rPr lang="en-US" dirty="0" smtClean="0"/>
               <a:t> from GITHUB]</a:t>
             </a:r>
-            <a:endParaRPr lang="en-US" dirty="0" smtClean="0"/>
           </a:p>
         </p:txBody>
       </p:sp>
@@ -4367,7 +4371,6 @@
               <a:rPr lang="en-US" dirty="0" smtClean="0"/>
               <a:t>CODE SNIPPET</a:t>
             </a:r>
-            <a:endParaRPr lang="en-US" dirty="0" smtClean="0"/>
           </a:p>
         </p:txBody>
       </p:sp>
@@ -4404,7 +4407,6 @@
               <a:rPr lang="en-US" dirty="0" smtClean="0"/>
               <a:t>OUTPUT:</a:t>
             </a:r>
-            <a:endParaRPr lang="en-US" dirty="0" smtClean="0"/>
           </a:p>
         </p:txBody>
       </p:sp>
@@ -4590,7 +4592,6 @@
               <a:rPr lang="en-US" dirty="0" smtClean="0"/>
               <a:t>CODE SNIPPET</a:t>
             </a:r>
-            <a:endParaRPr lang="en-US" dirty="0" smtClean="0"/>
           </a:p>
         </p:txBody>
       </p:sp>
@@ -4627,7 +4628,6 @@
               <a:rPr lang="en-US" dirty="0" smtClean="0"/>
               <a:t>OUTPUT:</a:t>
             </a:r>
-            <a:endParaRPr lang="en-US" dirty="0" smtClean="0"/>
           </a:p>
         </p:txBody>
       </p:sp>
@@ -4813,7 +4813,6 @@
               <a:rPr lang="en-US" dirty="0" smtClean="0"/>
               <a:t>CODE SNIPPET</a:t>
             </a:r>
-            <a:endParaRPr lang="en-US" dirty="0" smtClean="0"/>
           </a:p>
         </p:txBody>
       </p:sp>
@@ -4850,7 +4849,6 @@
               <a:rPr lang="en-US" dirty="0" smtClean="0"/>
               <a:t>OUTPUT:</a:t>
             </a:r>
-            <a:endParaRPr lang="en-US" dirty="0" smtClean="0"/>
           </a:p>
         </p:txBody>
       </p:sp>
@@ -5061,7 +5059,7 @@
           <p:cNvPr id="2" name="Google Shape;61;g5fab984687_2_0">
             <a:extLst>
               <a:ext uri="{FF2B5EF4-FFF2-40B4-BE49-F238E27FC236}">
-                <a16:creationId xmlns:a16="http://schemas.microsoft.com/office/drawing/2014/main" xmlns="" id="{8D66D476-62A2-1223-50DE-D356C5F99B3C}"/>
+                <a16:creationId xmlns="" xmlns:a16="http://schemas.microsoft.com/office/drawing/2014/main" id="{8D66D476-62A2-1223-50DE-D356C5F99B3C}"/>
               </a:ext>
             </a:extLst>
           </p:cNvPr>
@@ -5563,7 +5561,7 @@
           <p:cNvPr id="2" name="Google Shape;61;g5fab984687_2_0">
             <a:extLst>
               <a:ext uri="{FF2B5EF4-FFF2-40B4-BE49-F238E27FC236}">
-                <a16:creationId xmlns:a16="http://schemas.microsoft.com/office/drawing/2014/main" xmlns="" id="{8D66D476-62A2-1223-50DE-D356C5F99B3C}"/>
+                <a16:creationId xmlns="" xmlns:a16="http://schemas.microsoft.com/office/drawing/2014/main" id="{8D66D476-62A2-1223-50DE-D356C5F99B3C}"/>
               </a:ext>
             </a:extLst>
           </p:cNvPr>
@@ -6095,7 +6093,7 @@
           <p:cNvPr id="2" name="Google Shape;61;g5fab984687_2_0">
             <a:extLst>
               <a:ext uri="{FF2B5EF4-FFF2-40B4-BE49-F238E27FC236}">
-                <a16:creationId xmlns:a16="http://schemas.microsoft.com/office/drawing/2014/main" xmlns="" id="{A7A03A39-BA45-DE51-2252-69EFA1EBDD4D}"/>
+                <a16:creationId xmlns="" xmlns:a16="http://schemas.microsoft.com/office/drawing/2014/main" id="{A7A03A39-BA45-DE51-2252-69EFA1EBDD4D}"/>
               </a:ext>
             </a:extLst>
           </p:cNvPr>
@@ -6371,7 +6369,7 @@
           <p:cNvPr id="3" name="TextBox 2">
             <a:extLst>
               <a:ext uri="{FF2B5EF4-FFF2-40B4-BE49-F238E27FC236}">
-                <a16:creationId xmlns:a16="http://schemas.microsoft.com/office/drawing/2014/main" xmlns="" id="{B6E6F345-B602-EC4B-B8B2-B4CAA1DC1D46}"/>
+                <a16:creationId xmlns="" xmlns:a16="http://schemas.microsoft.com/office/drawing/2014/main" id="{B6E6F345-B602-EC4B-B8B2-B4CAA1DC1D46}"/>
               </a:ext>
             </a:extLst>
           </p:cNvPr>
@@ -6492,6 +6490,324 @@
               <a:t>Srihari S au2021111087</a:t>
             </a:r>
             <a:endParaRPr lang="en-US"/>
+          </a:p>
+        </p:txBody>
+      </p:sp>
+      <p:sp>
+        <p:nvSpPr>
+          <p:cNvPr id="6" name="Google Shape;61;g5fab984687_2_0">
+            <a:extLst>
+              <a:ext uri="{FF2B5EF4-FFF2-40B4-BE49-F238E27FC236}">
+                <a16:creationId xmlns="" xmlns:a16="http://schemas.microsoft.com/office/drawing/2014/main" id="{A7A03A39-BA45-DE51-2252-69EFA1EBDD4D}"/>
+              </a:ext>
+            </a:extLst>
+          </p:cNvPr>
+          <p:cNvSpPr txBox="1">
+            <a:spLocks/>
+          </p:cNvSpPr>
+          <p:nvPr/>
+        </p:nvSpPr>
+        <p:spPr>
+          <a:xfrm>
+            <a:off x="770092" y="3802117"/>
+            <a:ext cx="4437065" cy="495936"/>
+          </a:xfrm>
+          <a:prstGeom prst="rect">
+            <a:avLst/>
+          </a:prstGeom>
+          <a:noFill/>
+          <a:ln>
+            <a:noFill/>
+          </a:ln>
+        </p:spPr>
+        <p:txBody>
+          <a:bodyPr spcFirstLastPara="1" wrap="square" lIns="91425" tIns="91425" rIns="91425" bIns="91425" anchor="t" anchorCtr="0">
+            <a:noAutofit/>
+          </a:bodyPr>
+          <a:lstStyle>
+            <a:defPPr marR="0" lvl="0" algn="l" rtl="0">
+              <a:lnSpc>
+                <a:spcPct val="100000"/>
+              </a:lnSpc>
+              <a:spcBef>
+                <a:spcPts val="0"/>
+              </a:spcBef>
+              <a:spcAft>
+                <a:spcPts val="0"/>
+              </a:spcAft>
+            </a:defPPr>
+            <a:lvl1pPr marR="0" lvl="0" algn="l" rtl="0">
+              <a:lnSpc>
+                <a:spcPct val="100000"/>
+              </a:lnSpc>
+              <a:spcBef>
+                <a:spcPts val="0"/>
+              </a:spcBef>
+              <a:spcAft>
+                <a:spcPts val="0"/>
+              </a:spcAft>
+              <a:buClr>
+                <a:srgbClr val="000000"/>
+              </a:buClr>
+              <a:buFont typeface="Arial"/>
+              <a:defRPr sz="1400" b="0" i="0" u="none" strike="noStrike" cap="none">
+                <a:solidFill>
+                  <a:srgbClr val="000000"/>
+                </a:solidFill>
+                <a:latin typeface="Arial"/>
+                <a:ea typeface="Arial"/>
+                <a:cs typeface="Arial"/>
+                <a:sym typeface="Arial"/>
+              </a:defRPr>
+            </a:lvl1pPr>
+            <a:lvl2pPr marR="0" lvl="1" algn="l" rtl="0">
+              <a:lnSpc>
+                <a:spcPct val="100000"/>
+              </a:lnSpc>
+              <a:spcBef>
+                <a:spcPts val="0"/>
+              </a:spcBef>
+              <a:spcAft>
+                <a:spcPts val="0"/>
+              </a:spcAft>
+              <a:buClr>
+                <a:srgbClr val="000000"/>
+              </a:buClr>
+              <a:buFont typeface="Arial"/>
+              <a:defRPr sz="1400" b="0" i="0" u="none" strike="noStrike" cap="none">
+                <a:solidFill>
+                  <a:srgbClr val="000000"/>
+                </a:solidFill>
+                <a:latin typeface="Arial"/>
+                <a:ea typeface="Arial"/>
+                <a:cs typeface="Arial"/>
+                <a:sym typeface="Arial"/>
+              </a:defRPr>
+            </a:lvl2pPr>
+            <a:lvl3pPr marR="0" lvl="2" algn="l" rtl="0">
+              <a:lnSpc>
+                <a:spcPct val="100000"/>
+              </a:lnSpc>
+              <a:spcBef>
+                <a:spcPts val="0"/>
+              </a:spcBef>
+              <a:spcAft>
+                <a:spcPts val="0"/>
+              </a:spcAft>
+              <a:buClr>
+                <a:srgbClr val="000000"/>
+              </a:buClr>
+              <a:buFont typeface="Arial"/>
+              <a:defRPr sz="1400" b="0" i="0" u="none" strike="noStrike" cap="none">
+                <a:solidFill>
+                  <a:srgbClr val="000000"/>
+                </a:solidFill>
+                <a:latin typeface="Arial"/>
+                <a:ea typeface="Arial"/>
+                <a:cs typeface="Arial"/>
+                <a:sym typeface="Arial"/>
+              </a:defRPr>
+            </a:lvl3pPr>
+            <a:lvl4pPr marR="0" lvl="3" algn="l" rtl="0">
+              <a:lnSpc>
+                <a:spcPct val="100000"/>
+              </a:lnSpc>
+              <a:spcBef>
+                <a:spcPts val="0"/>
+              </a:spcBef>
+              <a:spcAft>
+                <a:spcPts val="0"/>
+              </a:spcAft>
+              <a:buClr>
+                <a:srgbClr val="000000"/>
+              </a:buClr>
+              <a:buFont typeface="Arial"/>
+              <a:defRPr sz="1400" b="0" i="0" u="none" strike="noStrike" cap="none">
+                <a:solidFill>
+                  <a:srgbClr val="000000"/>
+                </a:solidFill>
+                <a:latin typeface="Arial"/>
+                <a:ea typeface="Arial"/>
+                <a:cs typeface="Arial"/>
+                <a:sym typeface="Arial"/>
+              </a:defRPr>
+            </a:lvl4pPr>
+            <a:lvl5pPr marR="0" lvl="4" algn="l" rtl="0">
+              <a:lnSpc>
+                <a:spcPct val="100000"/>
+              </a:lnSpc>
+              <a:spcBef>
+                <a:spcPts val="0"/>
+              </a:spcBef>
+              <a:spcAft>
+                <a:spcPts val="0"/>
+              </a:spcAft>
+              <a:buClr>
+                <a:srgbClr val="000000"/>
+              </a:buClr>
+              <a:buFont typeface="Arial"/>
+              <a:defRPr sz="1400" b="0" i="0" u="none" strike="noStrike" cap="none">
+                <a:solidFill>
+                  <a:srgbClr val="000000"/>
+                </a:solidFill>
+                <a:latin typeface="Arial"/>
+                <a:ea typeface="Arial"/>
+                <a:cs typeface="Arial"/>
+                <a:sym typeface="Arial"/>
+              </a:defRPr>
+            </a:lvl5pPr>
+            <a:lvl6pPr marR="0" lvl="5" algn="l" rtl="0">
+              <a:lnSpc>
+                <a:spcPct val="100000"/>
+              </a:lnSpc>
+              <a:spcBef>
+                <a:spcPts val="0"/>
+              </a:spcBef>
+              <a:spcAft>
+                <a:spcPts val="0"/>
+              </a:spcAft>
+              <a:buClr>
+                <a:srgbClr val="000000"/>
+              </a:buClr>
+              <a:buFont typeface="Arial"/>
+              <a:defRPr sz="1400" b="0" i="0" u="none" strike="noStrike" cap="none">
+                <a:solidFill>
+                  <a:srgbClr val="000000"/>
+                </a:solidFill>
+                <a:latin typeface="Arial"/>
+                <a:ea typeface="Arial"/>
+                <a:cs typeface="Arial"/>
+                <a:sym typeface="Arial"/>
+              </a:defRPr>
+            </a:lvl6pPr>
+            <a:lvl7pPr marR="0" lvl="6" algn="l" rtl="0">
+              <a:lnSpc>
+                <a:spcPct val="100000"/>
+              </a:lnSpc>
+              <a:spcBef>
+                <a:spcPts val="0"/>
+              </a:spcBef>
+              <a:spcAft>
+                <a:spcPts val="0"/>
+              </a:spcAft>
+              <a:buClr>
+                <a:srgbClr val="000000"/>
+              </a:buClr>
+              <a:buFont typeface="Arial"/>
+              <a:defRPr sz="1400" b="0" i="0" u="none" strike="noStrike" cap="none">
+                <a:solidFill>
+                  <a:srgbClr val="000000"/>
+                </a:solidFill>
+                <a:latin typeface="Arial"/>
+                <a:ea typeface="Arial"/>
+                <a:cs typeface="Arial"/>
+                <a:sym typeface="Arial"/>
+              </a:defRPr>
+            </a:lvl7pPr>
+            <a:lvl8pPr marR="0" lvl="7" algn="l" rtl="0">
+              <a:lnSpc>
+                <a:spcPct val="100000"/>
+              </a:lnSpc>
+              <a:spcBef>
+                <a:spcPts val="0"/>
+              </a:spcBef>
+              <a:spcAft>
+                <a:spcPts val="0"/>
+              </a:spcAft>
+              <a:buClr>
+                <a:srgbClr val="000000"/>
+              </a:buClr>
+              <a:buFont typeface="Arial"/>
+              <a:defRPr sz="1400" b="0" i="0" u="none" strike="noStrike" cap="none">
+                <a:solidFill>
+                  <a:srgbClr val="000000"/>
+                </a:solidFill>
+                <a:latin typeface="Arial"/>
+                <a:ea typeface="Arial"/>
+                <a:cs typeface="Arial"/>
+                <a:sym typeface="Arial"/>
+              </a:defRPr>
+            </a:lvl8pPr>
+            <a:lvl9pPr marR="0" lvl="8" algn="l" rtl="0">
+              <a:lnSpc>
+                <a:spcPct val="100000"/>
+              </a:lnSpc>
+              <a:spcBef>
+                <a:spcPts val="0"/>
+              </a:spcBef>
+              <a:spcAft>
+                <a:spcPts val="0"/>
+              </a:spcAft>
+              <a:buClr>
+                <a:srgbClr val="000000"/>
+              </a:buClr>
+              <a:buFont typeface="Arial"/>
+              <a:defRPr sz="1400" b="0" i="0" u="none" strike="noStrike" cap="none">
+                <a:solidFill>
+                  <a:srgbClr val="000000"/>
+                </a:solidFill>
+                <a:latin typeface="Arial"/>
+                <a:ea typeface="Arial"/>
+                <a:cs typeface="Arial"/>
+                <a:sym typeface="Arial"/>
+              </a:defRPr>
+            </a:lvl9pPr>
+          </a:lstStyle>
+          <a:p>
+            <a:pPr>
+              <a:buSzPts val="2800"/>
+            </a:pPr>
+            <a:r>
+              <a:rPr lang="en-US" sz="3600" b="1" dirty="0" smtClean="0">
+                <a:solidFill>
+                  <a:srgbClr val="213163"/>
+                </a:solidFill>
+                <a:latin typeface="+mn-lt"/>
+              </a:rPr>
+              <a:t>Project Link:</a:t>
+            </a:r>
+            <a:endParaRPr lang="en-US" sz="3600" b="1" dirty="0">
+              <a:solidFill>
+                <a:srgbClr val="213163"/>
+              </a:solidFill>
+              <a:latin typeface="+mn-lt"/>
+            </a:endParaRPr>
+          </a:p>
+        </p:txBody>
+      </p:sp>
+      <p:sp>
+        <p:nvSpPr>
+          <p:cNvPr id="7" name="TextBox 6">
+            <a:extLst>
+              <a:ext uri="{FF2B5EF4-FFF2-40B4-BE49-F238E27FC236}">
+                <a16:creationId xmlns="" xmlns:a16="http://schemas.microsoft.com/office/drawing/2014/main" id="{B6E6F345-B602-EC4B-B8B2-B4CAA1DC1D46}"/>
+              </a:ext>
+            </a:extLst>
+          </p:cNvPr>
+          <p:cNvSpPr txBox="1"/>
+          <p:nvPr/>
+        </p:nvSpPr>
+        <p:spPr>
+          <a:xfrm>
+            <a:off x="839785" y="4542371"/>
+            <a:ext cx="8734745" cy="523220"/>
+          </a:xfrm>
+          <a:prstGeom prst="rect">
+            <a:avLst/>
+          </a:prstGeom>
+          <a:noFill/>
+        </p:spPr>
+        <p:txBody>
+          <a:bodyPr wrap="square" lIns="91440" tIns="45720" rIns="91440" bIns="45720" anchor="t">
+            <a:spAutoFit/>
+          </a:bodyPr>
+          <a:lstStyle/>
+          <a:p>
+            <a:r>
+              <a:rPr lang="en-US" sz="2800" u="sng" baseline="30000" dirty="0"/>
+              <a:t>https://github.com/HariCane193/EDA_AgriculturalRawMaterialAnalysis</a:t>
+            </a:r>
+            <a:endParaRPr lang="en-US" sz="2800" dirty="0"/>
           </a:p>
         </p:txBody>
       </p:sp>
@@ -6530,7 +6846,7 @@
           <p:cNvPr id="2" name="Google Shape;62;g5fab984687_2_0">
             <a:extLst>
               <a:ext uri="{FF2B5EF4-FFF2-40B4-BE49-F238E27FC236}">
-                <a16:creationId xmlns:a16="http://schemas.microsoft.com/office/drawing/2014/main" xmlns="" id="{AE76DA37-EEF4-E854-985B-BBFC06857B90}"/>
+                <a16:creationId xmlns="" xmlns:a16="http://schemas.microsoft.com/office/drawing/2014/main" id="{AE76DA37-EEF4-E854-985B-BBFC06857B90}"/>
               </a:ext>
             </a:extLst>
           </p:cNvPr>
@@ -7310,7 +7626,7 @@
           <p:cNvPr id="2" name="Google Shape;61;g5fab984687_2_0">
             <a:extLst>
               <a:ext uri="{FF2B5EF4-FFF2-40B4-BE49-F238E27FC236}">
-                <a16:creationId xmlns:a16="http://schemas.microsoft.com/office/drawing/2014/main" xmlns="" id="{A7A03A39-BA45-DE51-2252-69EFA1EBDD4D}"/>
+                <a16:creationId xmlns="" xmlns:a16="http://schemas.microsoft.com/office/drawing/2014/main" id="{A7A03A39-BA45-DE51-2252-69EFA1EBDD4D}"/>
               </a:ext>
             </a:extLst>
           </p:cNvPr>
@@ -7786,7 +8102,7 @@
           <p:cNvPr id="3" name="Google Shape;61;g5fab984687_2_0">
             <a:extLst>
               <a:ext uri="{FF2B5EF4-FFF2-40B4-BE49-F238E27FC236}">
-                <a16:creationId xmlns:a16="http://schemas.microsoft.com/office/drawing/2014/main" xmlns="" id="{A7A03A39-BA45-DE51-2252-69EFA1EBDD4D}"/>
+                <a16:creationId xmlns="" xmlns:a16="http://schemas.microsoft.com/office/drawing/2014/main" id="{A7A03A39-BA45-DE51-2252-69EFA1EBDD4D}"/>
               </a:ext>
             </a:extLst>
           </p:cNvPr>
@@ -8156,7 +8472,7 @@
           <p:cNvPr id="2" name="Google Shape;61;g5fab984687_2_0">
             <a:extLst>
               <a:ext uri="{FF2B5EF4-FFF2-40B4-BE49-F238E27FC236}">
-                <a16:creationId xmlns:a16="http://schemas.microsoft.com/office/drawing/2014/main" xmlns="" id="{A7A03A39-BA45-DE51-2252-69EFA1EBDD4D}"/>
+                <a16:creationId xmlns="" xmlns:a16="http://schemas.microsoft.com/office/drawing/2014/main" id="{A7A03A39-BA45-DE51-2252-69EFA1EBDD4D}"/>
               </a:ext>
             </a:extLst>
           </p:cNvPr>
@@ -8438,7 +8754,7 @@
           <p:cNvPr id="3" name="TextBox 2">
             <a:extLst>
               <a:ext uri="{FF2B5EF4-FFF2-40B4-BE49-F238E27FC236}">
-                <a16:creationId xmlns:a16="http://schemas.microsoft.com/office/drawing/2014/main" xmlns="" id="{B6E6F345-B602-EC4B-B8B2-B4CAA1DC1D46}"/>
+                <a16:creationId xmlns="" xmlns:a16="http://schemas.microsoft.com/office/drawing/2014/main" id="{B6E6F345-B602-EC4B-B8B2-B4CAA1DC1D46}"/>
               </a:ext>
             </a:extLst>
           </p:cNvPr>
@@ -8501,7 +8817,7 @@
           <p:cNvPr id="4" name="Graphic 1" descr="Presentation with checklist with solid fill">
             <a:extLst>
               <a:ext uri="{FF2B5EF4-FFF2-40B4-BE49-F238E27FC236}">
-                <a16:creationId xmlns:a16="http://schemas.microsoft.com/office/drawing/2014/main" xmlns="" id="{8A7E7372-02E7-C82A-33D7-3493BBA3A60D}"/>
+                <a16:creationId xmlns="" xmlns:a16="http://schemas.microsoft.com/office/drawing/2014/main" id="{8A7E7372-02E7-C82A-33D7-3493BBA3A60D}"/>
               </a:ext>
             </a:extLst>
           </p:cNvPr>
@@ -8514,7 +8830,7 @@
           <a:blip r:embed="rId2">
             <a:extLst>
               <a:ext uri="{96DAC541-7B7A-43D3-8B79-37D633B846F1}">
-                <asvg:svgBlip xmlns:asvg="http://schemas.microsoft.com/office/drawing/2016/SVG/main" xmlns="" r:embed="rId4"/>
+                <asvg:svgBlip xmlns="" xmlns:asvg="http://schemas.microsoft.com/office/drawing/2016/SVG/main" r:embed="rId4"/>
               </a:ext>
             </a:extLst>
           </a:blip>
@@ -8664,7 +8980,7 @@
           <p:cNvPr id="3" name="Google Shape;61;g5fab984687_2_0">
             <a:extLst>
               <a:ext uri="{FF2B5EF4-FFF2-40B4-BE49-F238E27FC236}">
-                <a16:creationId xmlns:a16="http://schemas.microsoft.com/office/drawing/2014/main" xmlns="" id="{8D66D476-62A2-1223-50DE-D356C5F99B3C}"/>
+                <a16:creationId xmlns="" xmlns:a16="http://schemas.microsoft.com/office/drawing/2014/main" id="{8D66D476-62A2-1223-50DE-D356C5F99B3C}"/>
               </a:ext>
             </a:extLst>
           </p:cNvPr>
@@ -9033,7 +9349,7 @@
           <p:cNvPr id="2" name="Google Shape;61;g5fab984687_2_0">
             <a:extLst>
               <a:ext uri="{FF2B5EF4-FFF2-40B4-BE49-F238E27FC236}">
-                <a16:creationId xmlns:a16="http://schemas.microsoft.com/office/drawing/2014/main" xmlns="" id="{8D66D476-62A2-1223-50DE-D356C5F99B3C}"/>
+                <a16:creationId xmlns="" xmlns:a16="http://schemas.microsoft.com/office/drawing/2014/main" id="{8D66D476-62A2-1223-50DE-D356C5F99B3C}"/>
               </a:ext>
             </a:extLst>
           </p:cNvPr>
@@ -9595,7 +9911,7 @@
           <p:cNvPr id="4" name="Google Shape;61;g5fab984687_2_0">
             <a:extLst>
               <a:ext uri="{FF2B5EF4-FFF2-40B4-BE49-F238E27FC236}">
-                <a16:creationId xmlns:a16="http://schemas.microsoft.com/office/drawing/2014/main" xmlns="" id="{8D66D476-62A2-1223-50DE-D356C5F99B3C}"/>
+                <a16:creationId xmlns="" xmlns:a16="http://schemas.microsoft.com/office/drawing/2014/main" id="{8D66D476-62A2-1223-50DE-D356C5F99B3C}"/>
               </a:ext>
             </a:extLst>
           </p:cNvPr>
@@ -9903,7 +10219,6 @@
               <a:rPr lang="en-US" dirty="0" smtClean="0"/>
               <a:t>Data Snapshot:</a:t>
             </a:r>
-            <a:endParaRPr lang="en-US" dirty="0" smtClean="0"/>
           </a:p>
         </p:txBody>
       </p:sp>
@@ -10087,7 +10402,6 @@
               <a:rPr lang="en-US" dirty="0" smtClean="0"/>
               <a:t> values.</a:t>
             </a:r>
-            <a:endParaRPr lang="en-US" dirty="0" smtClean="0"/>
           </a:p>
         </p:txBody>
       </p:sp>
